--- a/src/marketplace/applications/powerpoint/templates/TemplateNaasPPT.pptx
+++ b/src/marketplace/applications/powerpoint/templates/TemplateNaasPPT.pptx
@@ -227,7 +227,7 @@
           <a:p>
             <a:fld id="{FB4A1C81-E5CB-40F5-BCA3-9CC79025C36F}" type="datetimeFigureOut">
               <a:rPr lang="en-US" smtClean="0"/>
-              <a:t>10/27/2025</a:t>
+              <a:t>10/28/2025</a:t>
             </a:fld>
             <a:endParaRPr lang="en-US"/>
           </a:p>
@@ -461,7 +461,7 @@
           <a:p>
             <a:fld id="{FB4A1C81-E5CB-40F5-BCA3-9CC79025C36F}" type="datetimeFigureOut">
               <a:rPr lang="en-US" smtClean="0"/>
-              <a:t>10/27/2025</a:t>
+              <a:t>10/28/2025</a:t>
             </a:fld>
             <a:endParaRPr lang="en-US"/>
           </a:p>
@@ -669,7 +669,7 @@
           <a:p>
             <a:fld id="{FB4A1C81-E5CB-40F5-BCA3-9CC79025C36F}" type="datetimeFigureOut">
               <a:rPr lang="en-US" smtClean="0"/>
-              <a:t>10/27/2025</a:t>
+              <a:t>10/28/2025</a:t>
             </a:fld>
             <a:endParaRPr lang="en-US"/>
           </a:p>
@@ -867,7 +867,7 @@
           <a:p>
             <a:fld id="{FB4A1C81-E5CB-40F5-BCA3-9CC79025C36F}" type="datetimeFigureOut">
               <a:rPr lang="en-US" smtClean="0"/>
-              <a:t>10/27/2025</a:t>
+              <a:t>10/28/2025</a:t>
             </a:fld>
             <a:endParaRPr lang="en-US"/>
           </a:p>
@@ -1142,7 +1142,7 @@
           <a:p>
             <a:fld id="{FB4A1C81-E5CB-40F5-BCA3-9CC79025C36F}" type="datetimeFigureOut">
               <a:rPr lang="en-US" smtClean="0"/>
-              <a:t>10/27/2025</a:t>
+              <a:t>10/28/2025</a:t>
             </a:fld>
             <a:endParaRPr lang="en-US"/>
           </a:p>
@@ -1407,7 +1407,7 @@
           <a:p>
             <a:fld id="{FB4A1C81-E5CB-40F5-BCA3-9CC79025C36F}" type="datetimeFigureOut">
               <a:rPr lang="en-US" smtClean="0"/>
-              <a:t>10/27/2025</a:t>
+              <a:t>10/28/2025</a:t>
             </a:fld>
             <a:endParaRPr lang="en-US"/>
           </a:p>
@@ -1819,7 +1819,7 @@
           <a:p>
             <a:fld id="{FB4A1C81-E5CB-40F5-BCA3-9CC79025C36F}" type="datetimeFigureOut">
               <a:rPr lang="en-US" smtClean="0"/>
-              <a:t>10/27/2025</a:t>
+              <a:t>10/28/2025</a:t>
             </a:fld>
             <a:endParaRPr lang="en-US"/>
           </a:p>
@@ -1960,7 +1960,7 @@
           <a:p>
             <a:fld id="{FB4A1C81-E5CB-40F5-BCA3-9CC79025C36F}" type="datetimeFigureOut">
               <a:rPr lang="en-US" smtClean="0"/>
-              <a:t>10/27/2025</a:t>
+              <a:t>10/28/2025</a:t>
             </a:fld>
             <a:endParaRPr lang="en-US"/>
           </a:p>
@@ -2073,7 +2073,7 @@
           <a:p>
             <a:fld id="{FB4A1C81-E5CB-40F5-BCA3-9CC79025C36F}" type="datetimeFigureOut">
               <a:rPr lang="en-US" smtClean="0"/>
-              <a:t>10/27/2025</a:t>
+              <a:t>10/28/2025</a:t>
             </a:fld>
             <a:endParaRPr lang="en-US"/>
           </a:p>
@@ -2384,7 +2384,7 @@
           <a:p>
             <a:fld id="{FB4A1C81-E5CB-40F5-BCA3-9CC79025C36F}" type="datetimeFigureOut">
               <a:rPr lang="en-US" smtClean="0"/>
-              <a:t>10/27/2025</a:t>
+              <a:t>10/28/2025</a:t>
             </a:fld>
             <a:endParaRPr lang="en-US"/>
           </a:p>
@@ -2672,7 +2672,7 @@
           <a:p>
             <a:fld id="{FB4A1C81-E5CB-40F5-BCA3-9CC79025C36F}" type="datetimeFigureOut">
               <a:rPr lang="en-US" smtClean="0"/>
-              <a:t>10/27/2025</a:t>
+              <a:t>10/28/2025</a:t>
             </a:fld>
             <a:endParaRPr lang="en-US"/>
           </a:p>
@@ -2913,7 +2913,7 @@
           <a:p>
             <a:fld id="{FB4A1C81-E5CB-40F5-BCA3-9CC79025C36F}" type="datetimeFigureOut">
               <a:rPr lang="en-US" smtClean="0"/>
-              <a:t>10/27/2025</a:t>
+              <a:t>10/28/2025</a:t>
             </a:fld>
             <a:endParaRPr lang="en-US"/>
           </a:p>
@@ -3401,7 +3401,7 @@
               <a:defRPr/>
             </a:pPr>
             <a:r>
-              <a:rPr lang="en-US" sz="3000" dirty="0">
+              <a:rPr lang="en-US" sz="3600" dirty="0">
                 <a:solidFill>
                   <a:schemeClr val="tx1"/>
                 </a:solidFill>
@@ -3411,7 +3411,7 @@
               </a:rPr>
               <a:t>TITLE</a:t>
             </a:r>
-            <a:endParaRPr lang="en-US" sz="3000" dirty="0">
+            <a:endParaRPr lang="en-US" sz="3600" dirty="0">
               <a:solidFill>
                 <a:schemeClr val="tx1"/>
               </a:solidFill>
